--- a/plots/LHPS_fitness/figure_2_final.pptx
+++ b/plots/LHPS_fitness/figure_2_final.pptx
@@ -104,7 +104,49 @@
       </a:defRPr>
     </a:lvl9pPr>
   </p:defaultTextStyle>
+  <p:extLst>
+    <p:ext uri="{EFAFB233-063F-42B5-8137-9DF3F51BA10A}">
+      <p15:sldGuideLst xmlns:p15="http://schemas.microsoft.com/office/powerpoint/2012/main"/>
+    </p:ext>
+  </p:extLst>
 </p:presentation>
+</file>
+
+<file path=ppt/revisionInfo.xml><?xml version="1.0" encoding="utf-8"?>
+<p1510:revInfo xmlns:a="http://schemas.openxmlformats.org/drawingml/2006/main" xmlns:r="http://schemas.openxmlformats.org/officeDocument/2006/relationships" xmlns:p1510="http://schemas.microsoft.com/office/powerpoint/2015/10/main">
+  <p1510:revLst>
+    <p1510:client id="{D67BC173-D5D4-AA4A-B717-345452F0C4F7}" v="2" dt="2023-08-24T19:39:19.783"/>
+  </p1510:revLst>
+</p1510:revInfo>
+</file>
+
+<file path=ppt/changesInfos/changesInfo1.xml><?xml version="1.0" encoding="utf-8"?>
+<pc:chgInfo xmlns:a="http://schemas.openxmlformats.org/drawingml/2006/main" xmlns:r="http://schemas.openxmlformats.org/officeDocument/2006/relationships" xmlns:ac="http://schemas.microsoft.com/office/drawing/2013/main/command" xmlns:pc="http://schemas.microsoft.com/office/powerpoint/2013/main/command">
+  <pc:docChgLst>
+    <pc:chgData name="Cecilia Trivellin" userId="77962b75-de7c-4c40-bb6b-4b915835e2f5" providerId="ADAL" clId="{D67BC173-D5D4-AA4A-B717-345452F0C4F7}"/>
+    <pc:docChg chg="modSld">
+      <pc:chgData name="Cecilia Trivellin" userId="77962b75-de7c-4c40-bb6b-4b915835e2f5" providerId="ADAL" clId="{D67BC173-D5D4-AA4A-B717-345452F0C4F7}" dt="2023-08-24T19:39:47.309" v="21" actId="1038"/>
+      <pc:docMkLst>
+        <pc:docMk/>
+      </pc:docMkLst>
+      <pc:sldChg chg="modSp mod">
+        <pc:chgData name="Cecilia Trivellin" userId="77962b75-de7c-4c40-bb6b-4b915835e2f5" providerId="ADAL" clId="{D67BC173-D5D4-AA4A-B717-345452F0C4F7}" dt="2023-08-24T19:39:47.309" v="21" actId="1038"/>
+        <pc:sldMkLst>
+          <pc:docMk/>
+          <pc:sldMk cId="1624886000" sldId="256"/>
+        </pc:sldMkLst>
+        <pc:picChg chg="mod">
+          <ac:chgData name="Cecilia Trivellin" userId="77962b75-de7c-4c40-bb6b-4b915835e2f5" providerId="ADAL" clId="{D67BC173-D5D4-AA4A-B717-345452F0C4F7}" dt="2023-08-24T19:39:47.309" v="21" actId="1038"/>
+          <ac:picMkLst>
+            <pc:docMk/>
+            <pc:sldMk cId="1624886000" sldId="256"/>
+            <ac:picMk id="9" creationId="{68954042-0BD1-1A76-53ED-46D24327A855}"/>
+          </ac:picMkLst>
+        </pc:picChg>
+      </pc:sldChg>
+    </pc:docChg>
+  </pc:docChgLst>
+</pc:chgInfo>
 </file>
 
 <file path=ppt/slideLayouts/slideLayout1.xml><?xml version="1.0" encoding="utf-8"?>
@@ -238,7 +280,7 @@
           <a:p>
             <a:fld id="{BB4388B5-74DE-BA45-9FD7-F6D5BDF0B5A1}" type="datetimeFigureOut">
               <a:rPr lang="en-US" smtClean="0"/>
-              <a:t>8/15/23</a:t>
+              <a:t>8/24/23</a:t>
             </a:fld>
             <a:endParaRPr lang="en-US"/>
           </a:p>
@@ -408,7 +450,7 @@
           <a:p>
             <a:fld id="{BB4388B5-74DE-BA45-9FD7-F6D5BDF0B5A1}" type="datetimeFigureOut">
               <a:rPr lang="en-US" smtClean="0"/>
-              <a:t>8/15/23</a:t>
+              <a:t>8/24/23</a:t>
             </a:fld>
             <a:endParaRPr lang="en-US"/>
           </a:p>
@@ -588,7 +630,7 @@
           <a:p>
             <a:fld id="{BB4388B5-74DE-BA45-9FD7-F6D5BDF0B5A1}" type="datetimeFigureOut">
               <a:rPr lang="en-US" smtClean="0"/>
-              <a:t>8/15/23</a:t>
+              <a:t>8/24/23</a:t>
             </a:fld>
             <a:endParaRPr lang="en-US"/>
           </a:p>
@@ -758,7 +800,7 @@
           <a:p>
             <a:fld id="{BB4388B5-74DE-BA45-9FD7-F6D5BDF0B5A1}" type="datetimeFigureOut">
               <a:rPr lang="en-US" smtClean="0"/>
-              <a:t>8/15/23</a:t>
+              <a:t>8/24/23</a:t>
             </a:fld>
             <a:endParaRPr lang="en-US"/>
           </a:p>
@@ -1002,7 +1044,7 @@
           <a:p>
             <a:fld id="{BB4388B5-74DE-BA45-9FD7-F6D5BDF0B5A1}" type="datetimeFigureOut">
               <a:rPr lang="en-US" smtClean="0"/>
-              <a:t>8/15/23</a:t>
+              <a:t>8/24/23</a:t>
             </a:fld>
             <a:endParaRPr lang="en-US"/>
           </a:p>
@@ -1234,7 +1276,7 @@
           <a:p>
             <a:fld id="{BB4388B5-74DE-BA45-9FD7-F6D5BDF0B5A1}" type="datetimeFigureOut">
               <a:rPr lang="en-US" smtClean="0"/>
-              <a:t>8/15/23</a:t>
+              <a:t>8/24/23</a:t>
             </a:fld>
             <a:endParaRPr lang="en-US"/>
           </a:p>
@@ -1601,7 +1643,7 @@
           <a:p>
             <a:fld id="{BB4388B5-74DE-BA45-9FD7-F6D5BDF0B5A1}" type="datetimeFigureOut">
               <a:rPr lang="en-US" smtClean="0"/>
-              <a:t>8/15/23</a:t>
+              <a:t>8/24/23</a:t>
             </a:fld>
             <a:endParaRPr lang="en-US"/>
           </a:p>
@@ -1719,7 +1761,7 @@
           <a:p>
             <a:fld id="{BB4388B5-74DE-BA45-9FD7-F6D5BDF0B5A1}" type="datetimeFigureOut">
               <a:rPr lang="en-US" smtClean="0"/>
-              <a:t>8/15/23</a:t>
+              <a:t>8/24/23</a:t>
             </a:fld>
             <a:endParaRPr lang="en-US"/>
           </a:p>
@@ -1814,7 +1856,7 @@
           <a:p>
             <a:fld id="{BB4388B5-74DE-BA45-9FD7-F6D5BDF0B5A1}" type="datetimeFigureOut">
               <a:rPr lang="en-US" smtClean="0"/>
-              <a:t>8/15/23</a:t>
+              <a:t>8/24/23</a:t>
             </a:fld>
             <a:endParaRPr lang="en-US"/>
           </a:p>
@@ -2091,7 +2133,7 @@
           <a:p>
             <a:fld id="{BB4388B5-74DE-BA45-9FD7-F6D5BDF0B5A1}" type="datetimeFigureOut">
               <a:rPr lang="en-US" smtClean="0"/>
-              <a:t>8/15/23</a:t>
+              <a:t>8/24/23</a:t>
             </a:fld>
             <a:endParaRPr lang="en-US"/>
           </a:p>
@@ -2348,7 +2390,7 @@
           <a:p>
             <a:fld id="{BB4388B5-74DE-BA45-9FD7-F6D5BDF0B5A1}" type="datetimeFigureOut">
               <a:rPr lang="en-US" smtClean="0"/>
-              <a:t>8/15/23</a:t>
+              <a:t>8/24/23</a:t>
             </a:fld>
             <a:endParaRPr lang="en-US"/>
           </a:p>
@@ -2561,7 +2603,7 @@
           <a:p>
             <a:fld id="{BB4388B5-74DE-BA45-9FD7-F6D5BDF0B5A1}" type="datetimeFigureOut">
               <a:rPr lang="en-US" smtClean="0"/>
-              <a:t>8/15/23</a:t>
+              <a:t>8/24/23</a:t>
             </a:fld>
             <a:endParaRPr lang="en-US"/>
           </a:p>
@@ -2982,14 +3024,13 @@
         </p:nvPicPr>
         <p:blipFill>
           <a:blip r:embed="rId2"/>
-          <a:stretch>
-            <a:fillRect/>
-          </a:stretch>
+          <a:srcRect/>
+          <a:stretch/>
         </p:blipFill>
         <p:spPr>
           <a:xfrm>
-            <a:off x="618350" y="425047"/>
-            <a:ext cx="8385690" cy="5590461"/>
+            <a:off x="815928" y="528627"/>
+            <a:ext cx="8230318" cy="5486879"/>
           </a:xfrm>
           <a:prstGeom prst="rect">
             <a:avLst/>

--- a/plots/LHPS_fitness/figure_2_final.pptx
+++ b/plots/LHPS_fitness/figure_2_final.pptx
@@ -125,16 +125,24 @@
   <pc:docChgLst>
     <pc:chgData name="Cecilia Trivellin" userId="77962b75-de7c-4c40-bb6b-4b915835e2f5" providerId="ADAL" clId="{D67BC173-D5D4-AA4A-B717-345452F0C4F7}"/>
     <pc:docChg chg="modSld">
-      <pc:chgData name="Cecilia Trivellin" userId="77962b75-de7c-4c40-bb6b-4b915835e2f5" providerId="ADAL" clId="{D67BC173-D5D4-AA4A-B717-345452F0C4F7}" dt="2023-08-24T19:39:47.309" v="21" actId="1038"/>
+      <pc:chgData name="Cecilia Trivellin" userId="77962b75-de7c-4c40-bb6b-4b915835e2f5" providerId="ADAL" clId="{D67BC173-D5D4-AA4A-B717-345452F0C4F7}" dt="2023-08-24T19:43:29.668" v="29" actId="14100"/>
       <pc:docMkLst>
         <pc:docMk/>
       </pc:docMkLst>
       <pc:sldChg chg="modSp mod">
-        <pc:chgData name="Cecilia Trivellin" userId="77962b75-de7c-4c40-bb6b-4b915835e2f5" providerId="ADAL" clId="{D67BC173-D5D4-AA4A-B717-345452F0C4F7}" dt="2023-08-24T19:39:47.309" v="21" actId="1038"/>
+        <pc:chgData name="Cecilia Trivellin" userId="77962b75-de7c-4c40-bb6b-4b915835e2f5" providerId="ADAL" clId="{D67BC173-D5D4-AA4A-B717-345452F0C4F7}" dt="2023-08-24T19:43:29.668" v="29" actId="14100"/>
         <pc:sldMkLst>
           <pc:docMk/>
           <pc:sldMk cId="1624886000" sldId="256"/>
         </pc:sldMkLst>
+        <pc:spChg chg="mod">
+          <ac:chgData name="Cecilia Trivellin" userId="77962b75-de7c-4c40-bb6b-4b915835e2f5" providerId="ADAL" clId="{D67BC173-D5D4-AA4A-B717-345452F0C4F7}" dt="2023-08-24T19:43:29.668" v="29" actId="14100"/>
+          <ac:spMkLst>
+            <pc:docMk/>
+            <pc:sldMk cId="1624886000" sldId="256"/>
+            <ac:spMk id="23" creationId="{55C96A3D-FBC5-F10B-3AA7-4D5A897E4A32}"/>
+          </ac:spMkLst>
+        </pc:spChg>
         <pc:picChg chg="mod">
           <ac:chgData name="Cecilia Trivellin" userId="77962b75-de7c-4c40-bb6b-4b915835e2f5" providerId="ADAL" clId="{D67BC173-D5D4-AA4A-B717-345452F0C4F7}" dt="2023-08-24T19:39:47.309" v="21" actId="1038"/>
           <ac:picMkLst>
@@ -3555,7 +3563,7 @@
         <p:spPr>
           <a:xfrm>
             <a:off x="618350" y="113071"/>
-            <a:ext cx="5807176" cy="307777"/>
+            <a:ext cx="6626900" cy="307777"/>
           </a:xfrm>
           <a:prstGeom prst="rect">
             <a:avLst/>
@@ -3573,7 +3581,7 @@
                 <a:latin typeface="Arial" panose="020B0604020202020204" pitchFamily="34" charset="0"/>
                 <a:cs typeface="Arial" panose="020B0604020202020204" pitchFamily="34" charset="0"/>
               </a:rPr>
-              <a:t>PERTUBATION SPACE: Lignocellulose hydrolysates fermentation</a:t>
+              <a:t>PERTUBATION SPACE: Lignocellulose hydrolysates fermentation (LHPS)</a:t>
             </a:r>
           </a:p>
         </p:txBody>
